--- a/非受控文档/01-江亮儒/PRD2018-G11-UML图.pptx
+++ b/非受控文档/01-江亮儒/PRD2018-G11-UML图.pptx
@@ -5,10 +5,10 @@
     <p:sldMasterId id="2147483648" r:id="rId1"/>
   </p:sldMasterIdLst>
   <p:notesMasterIdLst>
-    <p:notesMasterId r:id="rId27"/>
+    <p:notesMasterId r:id="rId28"/>
   </p:notesMasterIdLst>
   <p:handoutMasterIdLst>
-    <p:handoutMasterId r:id="rId28"/>
+    <p:handoutMasterId r:id="rId29"/>
   </p:handoutMasterIdLst>
   <p:sldIdLst>
     <p:sldId id="370" r:id="rId2"/>
@@ -34,8 +34,9 @@
     <p:sldId id="480" r:id="rId22"/>
     <p:sldId id="459" r:id="rId23"/>
     <p:sldId id="478" r:id="rId24"/>
-    <p:sldId id="455" r:id="rId25"/>
-    <p:sldId id="436" r:id="rId26"/>
+    <p:sldId id="481" r:id="rId25"/>
+    <p:sldId id="455" r:id="rId26"/>
+    <p:sldId id="436" r:id="rId27"/>
   </p:sldIdLst>
   <p:sldSz cx="12190413" cy="6859588"/>
   <p:notesSz cx="6858000" cy="9144000"/>
@@ -910,7 +911,7 @@
           <a:p>
             <a:fld id="{74AC173A-3DA8-4893-B28A-1E15F55C330A}" type="slidenum">
               <a:rPr lang="zh-CN" altLang="en-US" smtClean="0"/>
-              <a:t>24</a:t>
+              <a:t>25</a:t>
             </a:fld>
             <a:endParaRPr lang="zh-CN" altLang="en-US"/>
           </a:p>
@@ -989,7 +990,7 @@
           <a:p>
             <a:fld id="{74AC173A-3DA8-4893-B28A-1E15F55C330A}" type="slidenum">
               <a:rPr lang="zh-CN" altLang="en-US" smtClean="0"/>
-              <a:t>25</a:t>
+              <a:t>26</a:t>
             </a:fld>
             <a:endParaRPr lang="zh-CN" altLang="en-US"/>
           </a:p>
@@ -4995,13 +4996,6 @@
               </a:rPr>
               <a:t>) :void</a:t>
             </a:r>
-            <a:endParaRPr lang="en-US" altLang="zh-CN" sz="2400" dirty="0">
-              <a:solidFill>
-                <a:srgbClr val="183A5D"/>
-              </a:solidFill>
-              <a:latin typeface="微软雅黑" panose="020B0503020204020204" pitchFamily="34" charset="-122"/>
-              <a:ea typeface="微软雅黑" panose="020B0503020204020204" pitchFamily="34" charset="-122"/>
-            </a:endParaRPr>
           </a:p>
           <a:p>
             <a:pPr>
@@ -7877,7 +7871,6 @@
               <a:rPr lang="zh-CN" altLang="en-US" sz="2000" dirty="0"/>
               <a:t>角色，对象，生命线，激活期，消息</a:t>
             </a:r>
-            <a:endParaRPr lang="zh-CN" altLang="en-US" sz="2000" dirty="0"/>
           </a:p>
         </p:txBody>
       </p:sp>
@@ -8319,7 +8312,6 @@
               <a:rPr lang="en-US" sz="2400" dirty="0"/>
               <a:t>4</a:t>
             </a:r>
-            <a:endParaRPr lang="en-US" sz="2400" dirty="0"/>
           </a:p>
         </p:txBody>
       </p:sp>
@@ -8598,7 +8590,6 @@
               <a:rPr lang="zh-CN" altLang="en-US" sz="2000" dirty="0"/>
               <a:t>活动者，对象，链接，消息</a:t>
             </a:r>
-            <a:endParaRPr lang="zh-CN" altLang="en-US" sz="2000" dirty="0"/>
           </a:p>
         </p:txBody>
       </p:sp>
@@ -8805,7 +8796,6 @@
               <a:rPr lang="en-US" sz="2400" dirty="0"/>
               <a:t>4</a:t>
             </a:r>
-            <a:endParaRPr lang="en-US" sz="2400" dirty="0"/>
           </a:p>
         </p:txBody>
       </p:sp>
@@ -10196,6 +10186,193 @@
                   <a:cs typeface="Times New Roman" panose="02020603050405020304" pitchFamily="18" charset="0"/>
                 </a:rPr>
                 <a:t>部署图</a:t>
+              </a:r>
+              <a:endParaRPr lang="zh-CN" altLang="zh-CN" sz="2000" b="1" kern="100" dirty="0">
+                <a:solidFill>
+                  <a:schemeClr val="bg1"/>
+                </a:solidFill>
+                <a:latin typeface="微软雅黑" panose="020B0503020204020204" pitchFamily="34" charset="-122"/>
+                <a:ea typeface="微软雅黑" panose="020B0503020204020204" pitchFamily="34" charset="-122"/>
+                <a:cs typeface="Times New Roman" panose="02020603050405020304" pitchFamily="18" charset="0"/>
+              </a:endParaRPr>
+            </a:p>
+          </p:txBody>
+        </p:sp>
+      </p:grpSp>
+      <p:sp>
+        <p:nvSpPr>
+          <p:cNvPr id="46" name="圆角矩形 45"/>
+          <p:cNvSpPr/>
+          <p:nvPr/>
+        </p:nvSpPr>
+        <p:spPr>
+          <a:xfrm>
+            <a:off x="5444054" y="5561653"/>
+            <a:ext cx="513261" cy="511504"/>
+          </a:xfrm>
+          <a:prstGeom prst="roundRect">
+            <a:avLst/>
+          </a:prstGeom>
+          <a:solidFill>
+            <a:schemeClr val="accent1"/>
+          </a:solidFill>
+          <a:ln>
+            <a:noFill/>
+          </a:ln>
+          <a:effectLst>
+            <a:outerShdw blurRad="50800" dist="38100" dir="5400000" algn="t" rotWithShape="0">
+              <a:prstClr val="black">
+                <a:alpha val="40000"/>
+              </a:prstClr>
+            </a:outerShdw>
+          </a:effectLst>
+        </p:spPr>
+        <p:style>
+          <a:lnRef idx="2">
+            <a:schemeClr val="accent1">
+              <a:shade val="50000"/>
+            </a:schemeClr>
+          </a:lnRef>
+          <a:fillRef idx="1">
+            <a:schemeClr val="accent1"/>
+          </a:fillRef>
+          <a:effectRef idx="0">
+            <a:schemeClr val="accent1"/>
+          </a:effectRef>
+          <a:fontRef idx="minor">
+            <a:schemeClr val="lt1"/>
+          </a:fontRef>
+        </p:style>
+        <p:txBody>
+          <a:bodyPr lIns="121960" tIns="60980" rIns="121960" bIns="60980" anchor="ctr"/>
+          <a:lstStyle/>
+          <a:p>
+            <a:pPr algn="ctr">
+              <a:defRPr/>
+            </a:pPr>
+            <a:r>
+              <a:rPr lang="en-US" altLang="zh-CN" sz="3600" dirty="0">
+                <a:latin typeface="+mj-lt"/>
+                <a:ea typeface="Arial Unicode MS" panose="020B0604020202020204" pitchFamily="34" charset="-122"/>
+                <a:cs typeface="Arial Unicode MS" panose="020B0604020202020204" pitchFamily="34" charset="-122"/>
+              </a:rPr>
+              <a:t>7</a:t>
+            </a:r>
+            <a:endParaRPr lang="en-US" altLang="zh-CN" sz="3600" dirty="0">
+              <a:latin typeface="+mj-lt"/>
+              <a:ea typeface="Arial Unicode MS" panose="020B0604020202020204" pitchFamily="34" charset="-122"/>
+              <a:cs typeface="Arial Unicode MS" panose="020B0604020202020204" pitchFamily="34" charset="-122"/>
+            </a:endParaRPr>
+          </a:p>
+        </p:txBody>
+      </p:sp>
+      <p:grpSp>
+        <p:nvGrpSpPr>
+          <p:cNvPr id="47" name="组合 46"/>
+          <p:cNvGrpSpPr/>
+          <p:nvPr/>
+        </p:nvGrpSpPr>
+        <p:grpSpPr>
+          <a:xfrm>
+            <a:off x="6354346" y="5530910"/>
+            <a:ext cx="3744416" cy="542247"/>
+            <a:chOff x="6329397" y="4108895"/>
+            <a:chExt cx="3744416" cy="542247"/>
+          </a:xfrm>
+        </p:grpSpPr>
+        <p:sp>
+          <p:nvSpPr>
+            <p:cNvPr id="48" name="圆角矩形 47"/>
+            <p:cNvSpPr/>
+            <p:nvPr/>
+          </p:nvSpPr>
+          <p:spPr>
+            <a:xfrm>
+              <a:off x="6329397" y="4108895"/>
+              <a:ext cx="3744416" cy="511504"/>
+            </a:xfrm>
+            <a:prstGeom prst="roundRect">
+              <a:avLst/>
+            </a:prstGeom>
+            <a:solidFill>
+              <a:schemeClr val="accent1"/>
+            </a:solidFill>
+            <a:ln>
+              <a:noFill/>
+            </a:ln>
+            <a:effectLst>
+              <a:outerShdw blurRad="50800" dist="38100" dir="5400000" algn="t" rotWithShape="0">
+                <a:prstClr val="black">
+                  <a:alpha val="40000"/>
+                </a:prstClr>
+              </a:outerShdw>
+            </a:effectLst>
+          </p:spPr>
+          <p:style>
+            <a:lnRef idx="2">
+              <a:schemeClr val="accent1">
+                <a:shade val="50000"/>
+              </a:schemeClr>
+            </a:lnRef>
+            <a:fillRef idx="1">
+              <a:schemeClr val="accent1"/>
+            </a:fillRef>
+            <a:effectRef idx="0">
+              <a:schemeClr val="accent1"/>
+            </a:effectRef>
+            <a:fontRef idx="minor">
+              <a:schemeClr val="lt1"/>
+            </a:fontRef>
+          </p:style>
+          <p:txBody>
+            <a:bodyPr lIns="121960" tIns="60980" rIns="121960" bIns="60980" anchor="ctr"/>
+            <a:lstStyle/>
+            <a:p>
+              <a:pPr algn="ctr">
+                <a:defRPr/>
+              </a:pPr>
+              <a:endParaRPr lang="zh-CN" altLang="en-US" sz="3600" dirty="0">
+                <a:latin typeface="+mj-lt"/>
+                <a:ea typeface="Arial Unicode MS" panose="020B0604020202020204" pitchFamily="34" charset="-122"/>
+                <a:cs typeface="Arial Unicode MS" panose="020B0604020202020204" pitchFamily="34" charset="-122"/>
+              </a:endParaRPr>
+            </a:p>
+          </p:txBody>
+        </p:sp>
+        <p:sp>
+          <p:nvSpPr>
+            <p:cNvPr id="49" name="矩形 48"/>
+            <p:cNvSpPr/>
+            <p:nvPr/>
+          </p:nvSpPr>
+          <p:spPr>
+            <a:xfrm>
+              <a:off x="6682074" y="4221882"/>
+              <a:ext cx="2736304" cy="429260"/>
+            </a:xfrm>
+            <a:prstGeom prst="rect">
+              <a:avLst/>
+            </a:prstGeom>
+          </p:spPr>
+          <p:txBody>
+            <a:bodyPr wrap="square" lIns="121960" tIns="60980" rIns="121960" bIns="60980">
+              <a:spAutoFit/>
+            </a:bodyPr>
+            <a:lstStyle/>
+            <a:p>
+              <a:pPr>
+                <a:defRPr/>
+              </a:pPr>
+              <a:r>
+                <a:rPr lang="zh-CN" altLang="en-US" sz="2000" b="1" kern="100" dirty="0">
+                  <a:solidFill>
+                    <a:schemeClr val="bg1"/>
+                  </a:solidFill>
+                  <a:latin typeface="微软雅黑" panose="020B0503020204020204" pitchFamily="34" charset="-122"/>
+                  <a:ea typeface="微软雅黑" panose="020B0503020204020204" pitchFamily="34" charset="-122"/>
+                  <a:cs typeface="Times New Roman" panose="02020603050405020304" pitchFamily="18" charset="0"/>
+                </a:rPr>
+                <a:t>提问</a:t>
               </a:r>
               <a:endParaRPr lang="zh-CN" altLang="zh-CN" sz="2000" b="1" kern="100" dirty="0">
                 <a:solidFill>
@@ -11131,6 +11308,98 @@
                                   </p:childTnLst>
                                 </p:cTn>
                               </p:par>
+                              <p:par>
+                                <p:cTn id="74" presetID="10" presetClass="entr" presetSubtype="0" fill="hold" grpId="0" nodeType="withEffect">
+                                  <p:stCondLst>
+                                    <p:cond delay="750"/>
+                                  </p:stCondLst>
+                                  <p:childTnLst>
+                                    <p:set>
+                                      <p:cBhvr>
+                                        <p:cTn id="75" dur="1" fill="hold">
+                                          <p:stCondLst>
+                                            <p:cond delay="0"/>
+                                          </p:stCondLst>
+                                        </p:cTn>
+                                        <p:tgtEl>
+                                          <p:spTgt spid="46"/>
+                                        </p:tgtEl>
+                                        <p:attrNameLst>
+                                          <p:attrName>style.visibility</p:attrName>
+                                        </p:attrNameLst>
+                                      </p:cBhvr>
+                                      <p:to>
+                                        <p:strVal val="visible"/>
+                                      </p:to>
+                                    </p:set>
+                                    <p:animEffect transition="in" filter="fade">
+                                      <p:cBhvr>
+                                        <p:cTn id="76" dur="1000"/>
+                                        <p:tgtEl>
+                                          <p:spTgt spid="46"/>
+                                        </p:tgtEl>
+                                      </p:cBhvr>
+                                    </p:animEffect>
+                                  </p:childTnLst>
+                                </p:cTn>
+                              </p:par>
+                              <p:par>
+                                <p:cTn id="77" presetID="56" presetClass="path" presetSubtype="0" accel="50000" decel="50000" fill="hold" grpId="1" nodeType="withEffect">
+                                  <p:stCondLst>
+                                    <p:cond delay="750"/>
+                                  </p:stCondLst>
+                                  <p:childTnLst>
+                                    <p:animMotion origin="layout" path="M -0.03737 0.04121 L -6.25E-7 -4.44444E-6 " pathEditMode="relative" rAng="0" ptsTypes="AA">
+                                      <p:cBhvr>
+                                        <p:cTn id="78" dur="700" fill="hold"/>
+                                        <p:tgtEl>
+                                          <p:spTgt spid="46"/>
+                                        </p:tgtEl>
+                                        <p:attrNameLst>
+                                          <p:attrName>ppt_x</p:attrName>
+                                          <p:attrName>ppt_y</p:attrName>
+                                        </p:attrNameLst>
+                                      </p:cBhvr>
+                                      <p:rCtr x="1862" y="-2060"/>
+                                    </p:animMotion>
+                                  </p:childTnLst>
+                                </p:cTn>
+                              </p:par>
+                              <p:par>
+                                <p:cTn id="79" presetID="22" presetClass="entr" presetSubtype="8" fill="hold" nodeType="withEffect">
+                                  <p:stCondLst>
+                                    <p:cond delay="1000"/>
+                                  </p:stCondLst>
+                                  <p:childTnLst>
+                                    <p:set>
+                                      <p:cBhvr>
+                                        <p:cTn id="80" dur="1" fill="hold">
+                                          <p:stCondLst>
+                                            <p:cond delay="0"/>
+                                          </p:stCondLst>
+                                        </p:cTn>
+                                        <p:tgtEl>
+                                          <p:spTgt spid="47"/>
+                                        </p:tgtEl>
+                                        <p:attrNameLst>
+                                          <p:attrName>style.visibility</p:attrName>
+                                        </p:attrNameLst>
+                                      </p:cBhvr>
+                                      <p:to>
+                                        <p:strVal val="visible"/>
+                                      </p:to>
+                                    </p:set>
+                                    <p:animEffect transition="in" filter="wipe(left)">
+                                      <p:cBhvr>
+                                        <p:cTn id="81" dur="500"/>
+                                        <p:tgtEl>
+                                          <p:spTgt spid="47"/>
+                                        </p:tgtEl>
+                                      </p:cBhvr>
+                                    </p:animEffect>
+                                  </p:childTnLst>
+                                </p:cTn>
+                              </p:par>
                             </p:childTnLst>
                           </p:cTn>
                         </p:par>
@@ -11175,6 +11444,8 @@
       <p:bldP spid="35" grpId="1" bldLvl="0" animBg="1"/>
       <p:bldP spid="39" grpId="0" bldLvl="0" animBg="1"/>
       <p:bldP spid="39" grpId="1" bldLvl="0" animBg="1"/>
+      <p:bldP spid="46" grpId="0" bldLvl="0" animBg="1"/>
+      <p:bldP spid="46" grpId="1" bldLvl="0" animBg="1"/>
     </p:bldLst>
   </p:timing>
 </p:sld>
@@ -11289,7 +11560,6 @@
               <a:rPr lang="en-US" sz="2400" dirty="0"/>
               <a:t>5</a:t>
             </a:r>
-            <a:endParaRPr lang="en-US" sz="2400" dirty="0"/>
           </a:p>
         </p:txBody>
       </p:sp>
@@ -11463,7 +11733,6 @@
               <a:rPr lang="zh-CN" altLang="en-US" sz="2000" dirty="0"/>
               <a:t>转换（状态之间的转移）</a:t>
             </a:r>
-            <a:endParaRPr lang="zh-CN" altLang="en-US" sz="2000" dirty="0"/>
           </a:p>
         </p:txBody>
       </p:sp>
@@ -11795,7 +12064,6 @@
               <a:rPr lang="en-US" sz="2400" dirty="0"/>
               <a:t>5</a:t>
             </a:r>
-            <a:endParaRPr lang="en-US" sz="2400" dirty="0"/>
           </a:p>
         </p:txBody>
       </p:sp>
@@ -12026,7 +12294,6 @@
               <a:rPr lang="en-US" sz="2400" dirty="0"/>
               <a:t>6</a:t>
             </a:r>
-            <a:endParaRPr lang="en-US" sz="2400" dirty="0"/>
           </a:p>
         </p:txBody>
       </p:sp>
@@ -12305,7 +12572,6 @@
               <a:rPr lang="zh-CN" altLang="en-US" sz="2000" dirty="0"/>
               <a:t>结点，组件，关系</a:t>
             </a:r>
-            <a:endParaRPr lang="zh-CN" altLang="en-US" sz="2000" dirty="0"/>
           </a:p>
         </p:txBody>
       </p:sp>
@@ -12512,7 +12778,6 @@
               <a:rPr lang="en-US" sz="2400" dirty="0"/>
               <a:t>6</a:t>
             </a:r>
-            <a:endParaRPr lang="en-US" sz="2400" dirty="0"/>
           </a:p>
         </p:txBody>
       </p:sp>
@@ -12600,7 +12865,6 @@
               <a:rPr lang="zh-CN" altLang="en-US" dirty="0"/>
               <a:t>图显示网络的物理布局，系统中涉及的处理器、设备、连接和过程。处理器是网络中处理功能所在的机器，包括服务器和工作站，不包括打印机扫描仪之类的设备。处理器用来运行进程（执行代码）。一个项目只有一个部署图。</a:t>
             </a:r>
-            <a:endParaRPr lang="zh-CN" altLang="en-US" dirty="0"/>
           </a:p>
         </p:txBody>
       </p:sp>
@@ -12652,6 +12916,268 @@
 </file>
 
 <file path=ppt/slides/slide24.xml><?xml version="1.0" encoding="utf-8"?>
+<p:sld xmlns:a="http://schemas.openxmlformats.org/drawingml/2006/main" xmlns:r="http://schemas.openxmlformats.org/officeDocument/2006/relationships" xmlns:p="http://schemas.openxmlformats.org/presentationml/2006/main">
+  <p:cSld>
+    <p:spTree>
+      <p:nvGrpSpPr>
+        <p:cNvPr id="1" name=""/>
+        <p:cNvGrpSpPr/>
+        <p:nvPr/>
+      </p:nvGrpSpPr>
+      <p:grpSpPr>
+        <a:xfrm>
+          <a:off x="0" y="0"/>
+          <a:ext cx="0" cy="0"/>
+          <a:chOff x="0" y="0"/>
+          <a:chExt cx="0" cy="0"/>
+        </a:xfrm>
+      </p:grpSpPr>
+      <p:sp>
+        <p:nvSpPr>
+          <p:cNvPr id="2" name="矩形 1"/>
+          <p:cNvSpPr/>
+          <p:nvPr/>
+        </p:nvSpPr>
+        <p:spPr>
+          <a:xfrm>
+            <a:off x="237030" y="1171"/>
+            <a:ext cx="1608415" cy="135446"/>
+          </a:xfrm>
+          <a:prstGeom prst="rect">
+            <a:avLst/>
+          </a:prstGeom>
+          <a:solidFill>
+            <a:srgbClr val="183A5D"/>
+          </a:solidFill>
+          <a:ln>
+            <a:noFill/>
+          </a:ln>
+        </p:spPr>
+        <p:style>
+          <a:lnRef idx="2">
+            <a:schemeClr val="accent1">
+              <a:shade val="50000"/>
+            </a:schemeClr>
+          </a:lnRef>
+          <a:fillRef idx="1">
+            <a:schemeClr val="accent1"/>
+          </a:fillRef>
+          <a:effectRef idx="0">
+            <a:schemeClr val="accent1"/>
+          </a:effectRef>
+          <a:fontRef idx="minor">
+            <a:schemeClr val="lt1"/>
+          </a:fontRef>
+        </p:style>
+        <p:txBody>
+          <a:bodyPr rtlCol="0" anchor="ctr"/>
+          <a:lstStyle/>
+          <a:p>
+            <a:pPr algn="ctr"/>
+            <a:endParaRPr lang="zh-CN" altLang="en-US" sz="2800"/>
+          </a:p>
+        </p:txBody>
+      </p:sp>
+      <p:sp>
+        <p:nvSpPr>
+          <p:cNvPr id="3" name="矩形 2"/>
+          <p:cNvSpPr/>
+          <p:nvPr/>
+        </p:nvSpPr>
+        <p:spPr>
+          <a:xfrm>
+            <a:off x="237030" y="255131"/>
+            <a:ext cx="1608415" cy="406336"/>
+          </a:xfrm>
+          <a:prstGeom prst="rect">
+            <a:avLst/>
+          </a:prstGeom>
+          <a:solidFill>
+            <a:srgbClr val="183A5D"/>
+          </a:solidFill>
+          <a:ln>
+            <a:noFill/>
+          </a:ln>
+        </p:spPr>
+        <p:style>
+          <a:lnRef idx="2">
+            <a:schemeClr val="accent1">
+              <a:shade val="50000"/>
+            </a:schemeClr>
+          </a:lnRef>
+          <a:fillRef idx="1">
+            <a:schemeClr val="accent1"/>
+          </a:fillRef>
+          <a:effectRef idx="0">
+            <a:schemeClr val="accent1"/>
+          </a:effectRef>
+          <a:fontRef idx="minor">
+            <a:schemeClr val="lt1"/>
+          </a:fontRef>
+        </p:style>
+        <p:txBody>
+          <a:bodyPr rtlCol="0" anchor="ctr"/>
+          <a:lstStyle/>
+          <a:p>
+            <a:pPr algn="ctr"/>
+            <a:r>
+              <a:rPr lang="en-US" sz="2400" dirty="0"/>
+              <a:t>7</a:t>
+            </a:r>
+            <a:endParaRPr lang="en-US" sz="2400" dirty="0"/>
+          </a:p>
+        </p:txBody>
+      </p:sp>
+      <p:sp>
+        <p:nvSpPr>
+          <p:cNvPr id="4" name="文本框 3"/>
+          <p:cNvSpPr txBox="1"/>
+          <p:nvPr/>
+        </p:nvSpPr>
+        <p:spPr>
+          <a:xfrm>
+            <a:off x="2187911" y="159817"/>
+            <a:ext cx="6052718" cy="501650"/>
+          </a:xfrm>
+          <a:prstGeom prst="rect">
+            <a:avLst/>
+          </a:prstGeom>
+          <a:noFill/>
+        </p:spPr>
+        <p:txBody>
+          <a:bodyPr wrap="square" rtlCol="0">
+            <a:spAutoFit/>
+          </a:bodyPr>
+          <a:lstStyle/>
+          <a:p>
+            <a:r>
+              <a:rPr lang="zh-CN" altLang="en-US" sz="2665" dirty="0" smtClean="0">
+                <a:solidFill>
+                  <a:srgbClr val="183A5D"/>
+                </a:solidFill>
+                <a:latin typeface="微软雅黑" panose="020B0503020204020204" pitchFamily="34" charset="-122"/>
+                <a:ea typeface="微软雅黑" panose="020B0503020204020204" pitchFamily="34" charset="-122"/>
+              </a:rPr>
+              <a:t>提问</a:t>
+            </a:r>
+            <a:endParaRPr lang="zh-CN" sz="2665" dirty="0" smtClean="0">
+              <a:solidFill>
+                <a:srgbClr val="183A5D"/>
+              </a:solidFill>
+              <a:latin typeface="微软雅黑" panose="020B0503020204020204" pitchFamily="34" charset="-122"/>
+              <a:ea typeface="微软雅黑" panose="020B0503020204020204" pitchFamily="34" charset="-122"/>
+            </a:endParaRPr>
+          </a:p>
+        </p:txBody>
+      </p:sp>
+      <p:sp>
+        <p:nvSpPr>
+          <p:cNvPr id="7" name="矩形 6"/>
+          <p:cNvSpPr/>
+          <p:nvPr/>
+        </p:nvSpPr>
+        <p:spPr>
+          <a:xfrm>
+            <a:off x="628304" y="1557586"/>
+            <a:ext cx="8203206" cy="415498"/>
+          </a:xfrm>
+          <a:prstGeom prst="rect">
+            <a:avLst/>
+          </a:prstGeom>
+        </p:spPr>
+        <p:txBody>
+          <a:bodyPr wrap="square">
+            <a:spAutoFit/>
+          </a:bodyPr>
+          <a:lstStyle/>
+          <a:p>
+            <a:pPr marL="457200" indent="-457200">
+              <a:spcBef>
+                <a:spcPct val="50000"/>
+              </a:spcBef>
+              <a:buFont typeface="+mj-ea"/>
+              <a:buAutoNum type="circleNumDbPlain"/>
+            </a:pPr>
+            <a:r>
+              <a:rPr lang="en-US" altLang="zh-CN" dirty="0" smtClean="0"/>
+              <a:t>UML</a:t>
+            </a:r>
+            <a:r>
+              <a:rPr lang="zh-CN" altLang="en-US" dirty="0" smtClean="0"/>
+              <a:t>用例图一共有几种关系，他们分别是什么，请具体阐述？</a:t>
+            </a:r>
+            <a:endParaRPr lang="zh-CN" altLang="en-US" dirty="0"/>
+          </a:p>
+        </p:txBody>
+      </p:sp>
+      <p:sp>
+        <p:nvSpPr>
+          <p:cNvPr id="10" name="矩形 9"/>
+          <p:cNvSpPr/>
+          <p:nvPr/>
+        </p:nvSpPr>
+        <p:spPr>
+          <a:xfrm>
+            <a:off x="628304" y="2565698"/>
+            <a:ext cx="8203206" cy="415498"/>
+          </a:xfrm>
+          <a:prstGeom prst="rect">
+            <a:avLst/>
+          </a:prstGeom>
+        </p:spPr>
+        <p:txBody>
+          <a:bodyPr wrap="square">
+            <a:spAutoFit/>
+          </a:bodyPr>
+          <a:lstStyle/>
+          <a:p>
+            <a:pPr marL="457200" indent="-457200">
+              <a:spcBef>
+                <a:spcPct val="50000"/>
+              </a:spcBef>
+              <a:buFont typeface="+mj-ea"/>
+              <a:buAutoNum type="circleNumDbPlain"/>
+            </a:pPr>
+            <a:r>
+              <a:rPr lang="en-US" altLang="zh-CN" dirty="0" smtClean="0"/>
+              <a:t>UML</a:t>
+            </a:r>
+            <a:r>
+              <a:rPr lang="zh-CN" altLang="en-US" dirty="0" smtClean="0"/>
+              <a:t>类</a:t>
+            </a:r>
+            <a:r>
+              <a:rPr lang="zh-CN" altLang="en-US" dirty="0" smtClean="0"/>
+              <a:t>图一共有几种关系，他们分别是什么，请具体阐述？</a:t>
+            </a:r>
+            <a:endParaRPr lang="zh-CN" altLang="en-US" dirty="0"/>
+          </a:p>
+        </p:txBody>
+      </p:sp>
+    </p:spTree>
+    <p:extLst>
+      <p:ext uri="{BB962C8B-B14F-4D97-AF65-F5344CB8AC3E}">
+        <p14:creationId xmlns:p14="http://schemas.microsoft.com/office/powerpoint/2010/main" val="3745685553"/>
+      </p:ext>
+    </p:extLst>
+  </p:cSld>
+  <p:clrMapOvr>
+    <a:masterClrMapping/>
+  </p:clrMapOvr>
+  <p:transition spd="slow" advClick="0" advTm="0">
+    <p:wipe/>
+  </p:transition>
+  <p:timing>
+    <p:tnLst>
+      <p:par>
+        <p:cTn id="1" dur="indefinite" restart="never" nodeType="tmRoot"/>
+      </p:par>
+    </p:tnLst>
+  </p:timing>
+</p:sld>
+</file>
+
+<file path=ppt/slides/slide25.xml><?xml version="1.0" encoding="utf-8"?>
 <p:sld xmlns:a="http://schemas.openxmlformats.org/drawingml/2006/main" xmlns:r="http://schemas.openxmlformats.org/officeDocument/2006/relationships" xmlns:p="http://schemas.openxmlformats.org/presentationml/2006/main">
   <p:cSld>
     <p:spTree>
@@ -13298,7 +13824,7 @@
 </p:sld>
 </file>
 
-<file path=ppt/slides/slide25.xml><?xml version="1.0" encoding="utf-8"?>
+<file path=ppt/slides/slide26.xml><?xml version="1.0" encoding="utf-8"?>
 <p:sld xmlns:a="http://schemas.openxmlformats.org/drawingml/2006/main" xmlns:r="http://schemas.openxmlformats.org/officeDocument/2006/relationships" xmlns:p="http://schemas.openxmlformats.org/presentationml/2006/main">
   <p:cSld>
     <p:spTree>
